--- a/courses/popl/slides/lec22-fomega.pptx
+++ b/courses/popl/slides/lec22-fomega.pptx
@@ -7203,7 +7203,7 @@
                       <a:srgbClr val="0432FF"/>
                     </a:solidFill>
                   </a:rPr>
-                  <a:t>[</a:t>
+                  <a:t>(</a:t>
                 </a:r>
                 <a14:m>
                   <m:oMath xmlns:m="http://schemas.openxmlformats.org/officeDocument/2006/math">
@@ -7241,8 +7241,18 @@
                       <a:srgbClr val="0432FF"/>
                     </a:solidFill>
                   </a:rPr>
-                  <a:t>.X-&gt;X]</a:t>
+                  <a:t>.X-&gt;X)</a:t>
                 </a:r>
+              </a:p>
+              <a:p>
+                <a:pPr marL="0" indent="0">
+                  <a:buNone/>
+                </a:pPr>
+                <a:endParaRPr kumimoji="1" lang="en-US" altLang="zh-CN" sz="2800" dirty="0">
+                  <a:solidFill>
+                    <a:srgbClr val="0432FF"/>
+                  </a:solidFill>
+                </a:endParaRPr>
               </a:p>
               <a:p>
                 <a:pPr marL="0" indent="0">
@@ -8528,10 +8538,14 @@
           <a:lstStyle/>
           <a:p>
             <a:r>
-              <a:rPr kumimoji="1" lang="en-US" altLang="zh-CN" dirty="0" err="1">
+              <a:rPr lang="en-US" altLang="zh-CN" dirty="0" err="1"/>
+              <a:t>F</a:t>
+            </a:r>
+            <a:r>
+              <a:rPr lang="en-US" altLang="zh-CN" dirty="0" err="1">
                 <a:latin typeface="Symbol" pitchFamily="2" charset="2"/>
               </a:rPr>
-              <a:t>lw</a:t>
+              <a:t>w</a:t>
             </a:r>
             <a:endParaRPr kumimoji="1" lang="zh-CN" altLang="en-US" dirty="0"/>
           </a:p>
@@ -8606,7 +8620,7 @@
             <a:pPr lvl="1"/>
             <a:r>
               <a:rPr kumimoji="1" lang="en-US" altLang="zh-CN" dirty="0"/>
-              <a:t>evaluation</a:t>
+              <a:t>Evaluation</a:t>
             </a:r>
             <a:r>
               <a:rPr kumimoji="1" lang="zh-CN" altLang="en-US" dirty="0"/>
@@ -8621,7 +8635,7 @@
             <a:pPr lvl="1"/>
             <a:r>
               <a:rPr kumimoji="1" lang="en-US" altLang="zh-CN" dirty="0"/>
-              <a:t>typing</a:t>
+              <a:t>Typing</a:t>
             </a:r>
             <a:r>
               <a:rPr kumimoji="1" lang="zh-CN" altLang="en-US" dirty="0"/>
@@ -8635,8 +8649,12 @@
           <a:p>
             <a:pPr lvl="1"/>
             <a:r>
-              <a:rPr kumimoji="1" lang="en-US" altLang="zh-CN" dirty="0" err="1"/>
-              <a:t>kinding</a:t>
+              <a:rPr kumimoji="1" lang="en-US" altLang="zh-CN" dirty="0"/>
+              <a:t>K</a:t>
+            </a:r>
+            <a:r>
+              <a:rPr kumimoji="1" lang="en-US" altLang="zh-CN"/>
+              <a:t>inding</a:t>
             </a:r>
             <a:r>
               <a:rPr kumimoji="1" lang="zh-CN" altLang="en-US" dirty="0"/>
